--- a/3D Face Reconstruction.pptx
+++ b/3D Face Reconstruction.pptx
@@ -113,6 +113,11 @@
       </a:defRPr>
     </a:lvl9pPr>
   </p:defaultTextStyle>
+  <p:extLst>
+    <p:ext uri="{EFAFB233-063F-42B5-8137-9DF3F51BA10A}">
+      <p15:sldGuideLst xmlns:p15="http://schemas.microsoft.com/office/powerpoint/2012/main"/>
+    </p:ext>
+  </p:extLst>
 </p:presentation>
 </file>
 
@@ -3926,46 +3931,84 @@
           <a:lstStyle/>
           <a:p>
             <a:r>
-              <a:rPr lang="fr-FR" dirty="0" err="1"/>
-              <a:t>Colour</a:t>
-            </a:r>
-            <a:r>
-              <a:rPr lang="fr-FR" dirty="0"/>
-              <a:t> </a:t>
-            </a:r>
-            <a:r>
-              <a:rPr lang="fr-FR" dirty="0" err="1"/>
-              <a:t>Normalization</a:t>
+              <a:rPr lang="fr-FR"/>
+              <a:t>Colour Normalization</a:t>
             </a:r>
             <a:endParaRPr lang="fr-FR" dirty="0"/>
           </a:p>
         </p:txBody>
       </p:sp>
-      <p:sp>
-        <p:nvSpPr>
-          <p:cNvPr id="3" name="Espace réservé du contenu 2">
-            <a:extLst>
-              <a:ext uri="{FF2B5EF4-FFF2-40B4-BE49-F238E27FC236}">
-                <a16:creationId xmlns:a16="http://schemas.microsoft.com/office/drawing/2014/main" id="{82EE575A-48BE-4C23-A863-D765B17305F1}"/>
-              </a:ext>
-            </a:extLst>
-          </p:cNvPr>
-          <p:cNvSpPr>
-            <a:spLocks noGrp="1"/>
-          </p:cNvSpPr>
+      <p:pic>
+        <p:nvPicPr>
+          <p:cNvPr id="11" name="Espace réservé du contenu 10" descr="Une image contenant personne, homme, intérieur, souriant&#10;&#10;Description générée automatiquement">
+            <a:extLst>
+              <a:ext uri="{FF2B5EF4-FFF2-40B4-BE49-F238E27FC236}">
+                <a16:creationId xmlns:a16="http://schemas.microsoft.com/office/drawing/2014/main" id="{0C02FCD8-2A09-4B4B-B1B3-B1BD43DD4566}"/>
+              </a:ext>
+            </a:extLst>
+          </p:cNvPr>
+          <p:cNvPicPr>
+            <a:picLocks noGrp="1" noChangeAspect="1"/>
+          </p:cNvPicPr>
           <p:nvPr>
             <p:ph idx="1"/>
           </p:nvPr>
-        </p:nvSpPr>
-        <p:spPr/>
-        <p:txBody>
-          <a:bodyPr/>
-          <a:lstStyle/>
-          <a:p>
-            <a:endParaRPr lang="fr-FR" dirty="0"/>
-          </a:p>
-        </p:txBody>
-      </p:sp>
+        </p:nvPicPr>
+        <p:blipFill>
+          <a:blip r:embed="rId2">
+            <a:extLst>
+              <a:ext uri="{28A0092B-C50C-407E-A947-70E740481C1C}">
+                <a14:useLocalDpi xmlns:a14="http://schemas.microsoft.com/office/drawing/2010/main" val="0"/>
+              </a:ext>
+            </a:extLst>
+          </a:blip>
+          <a:stretch>
+            <a:fillRect/>
+          </a:stretch>
+        </p:blipFill>
+        <p:spPr>
+          <a:xfrm>
+            <a:off x="1348451" y="1690688"/>
+            <a:ext cx="4370648" cy="4351338"/>
+          </a:xfrm>
+        </p:spPr>
+      </p:pic>
+      <p:pic>
+        <p:nvPicPr>
+          <p:cNvPr id="15" name="Image 14" descr="Une image contenant personne, homme, intérieur, souriant&#10;&#10;Description générée automatiquement">
+            <a:extLst>
+              <a:ext uri="{FF2B5EF4-FFF2-40B4-BE49-F238E27FC236}">
+                <a16:creationId xmlns:a16="http://schemas.microsoft.com/office/drawing/2014/main" id="{42CB24E4-07F2-4C4C-9084-14E1E061339B}"/>
+              </a:ext>
+            </a:extLst>
+          </p:cNvPr>
+          <p:cNvPicPr>
+            <a:picLocks noChangeAspect="1"/>
+          </p:cNvPicPr>
+          <p:nvPr/>
+        </p:nvPicPr>
+        <p:blipFill>
+          <a:blip r:embed="rId3">
+            <a:extLst>
+              <a:ext uri="{28A0092B-C50C-407E-A947-70E740481C1C}">
+                <a14:useLocalDpi xmlns:a14="http://schemas.microsoft.com/office/drawing/2010/main" val="0"/>
+              </a:ext>
+            </a:extLst>
+          </a:blip>
+          <a:stretch>
+            <a:fillRect/>
+          </a:stretch>
+        </p:blipFill>
+        <p:spPr>
+          <a:xfrm>
+            <a:off x="6600376" y="1690688"/>
+            <a:ext cx="4370648" cy="4370648"/>
+          </a:xfrm>
+          <a:prstGeom prst="rect">
+            <a:avLst/>
+          </a:prstGeom>
+        </p:spPr>
+      </p:pic>
     </p:spTree>
     <p:extLst>
       <p:ext uri="{BB962C8B-B14F-4D97-AF65-F5344CB8AC3E}">
@@ -4451,31 +4494,77 @@
           </a:p>
         </p:txBody>
       </p:sp>
-      <p:sp>
-        <p:nvSpPr>
-          <p:cNvPr id="3" name="Espace réservé du contenu 2">
-            <a:extLst>
-              <a:ext uri="{FF2B5EF4-FFF2-40B4-BE49-F238E27FC236}">
-                <a16:creationId xmlns:a16="http://schemas.microsoft.com/office/drawing/2014/main" id="{271F0353-C5D6-4DD5-A114-B0A86BF8A8FC}"/>
-              </a:ext>
-            </a:extLst>
-          </p:cNvPr>
-          <p:cNvSpPr>
-            <a:spLocks noGrp="1"/>
-          </p:cNvSpPr>
+      <p:pic>
+        <p:nvPicPr>
+          <p:cNvPr id="5" name="Espace réservé du contenu 4" descr="Une image contenant noir, homme, photo, posant&#10;&#10;Description générée automatiquement">
+            <a:extLst>
+              <a:ext uri="{FF2B5EF4-FFF2-40B4-BE49-F238E27FC236}">
+                <a16:creationId xmlns:a16="http://schemas.microsoft.com/office/drawing/2014/main" id="{79E16239-A2C7-4BE2-BA70-1E6CC9458875}"/>
+              </a:ext>
+            </a:extLst>
+          </p:cNvPr>
+          <p:cNvPicPr>
+            <a:picLocks noGrp="1" noChangeAspect="1"/>
+          </p:cNvPicPr>
           <p:nvPr>
             <p:ph idx="1"/>
           </p:nvPr>
-        </p:nvSpPr>
-        <p:spPr/>
-        <p:txBody>
-          <a:bodyPr/>
-          <a:lstStyle/>
-          <a:p>
-            <a:endParaRPr lang="fr-FR"/>
-          </a:p>
-        </p:txBody>
-      </p:sp>
+        </p:nvPicPr>
+        <p:blipFill>
+          <a:blip r:embed="rId2">
+            <a:extLst>
+              <a:ext uri="{28A0092B-C50C-407E-A947-70E740481C1C}">
+                <a14:useLocalDpi xmlns:a14="http://schemas.microsoft.com/office/drawing/2010/main" val="0"/>
+              </a:ext>
+            </a:extLst>
+          </a:blip>
+          <a:stretch>
+            <a:fillRect/>
+          </a:stretch>
+        </p:blipFill>
+        <p:spPr>
+          <a:xfrm>
+            <a:off x="1200863" y="1690688"/>
+            <a:ext cx="4608674" cy="4351338"/>
+          </a:xfrm>
+        </p:spPr>
+      </p:pic>
+      <p:pic>
+        <p:nvPicPr>
+          <p:cNvPr id="7" name="Image 6" descr="Une image contenant homme, intérieur, personne, noir&#10;&#10;Description générée automatiquement">
+            <a:extLst>
+              <a:ext uri="{FF2B5EF4-FFF2-40B4-BE49-F238E27FC236}">
+                <a16:creationId xmlns:a16="http://schemas.microsoft.com/office/drawing/2014/main" id="{4BF25EC2-CDE7-4FB9-A1C7-44A40ADE2BD5}"/>
+              </a:ext>
+            </a:extLst>
+          </p:cNvPr>
+          <p:cNvPicPr>
+            <a:picLocks noChangeAspect="1"/>
+          </p:cNvPicPr>
+          <p:nvPr/>
+        </p:nvPicPr>
+        <p:blipFill>
+          <a:blip r:embed="rId3">
+            <a:extLst>
+              <a:ext uri="{28A0092B-C50C-407E-A947-70E740481C1C}">
+                <a14:useLocalDpi xmlns:a14="http://schemas.microsoft.com/office/drawing/2010/main" val="0"/>
+              </a:ext>
+            </a:extLst>
+          </a:blip>
+          <a:stretch>
+            <a:fillRect/>
+          </a:stretch>
+        </p:blipFill>
+        <p:spPr>
+          <a:xfrm>
+            <a:off x="6382465" y="1690688"/>
+            <a:ext cx="4253676" cy="4351338"/>
+          </a:xfrm>
+          <a:prstGeom prst="rect">
+            <a:avLst/>
+          </a:prstGeom>
+        </p:spPr>
+      </p:pic>
     </p:spTree>
     <p:extLst>
       <p:ext uri="{BB962C8B-B14F-4D97-AF65-F5344CB8AC3E}">
@@ -4542,31 +4631,77 @@
           </a:p>
         </p:txBody>
       </p:sp>
-      <p:sp>
-        <p:nvSpPr>
-          <p:cNvPr id="3" name="Espace réservé du contenu 2">
-            <a:extLst>
-              <a:ext uri="{FF2B5EF4-FFF2-40B4-BE49-F238E27FC236}">
-                <a16:creationId xmlns:a16="http://schemas.microsoft.com/office/drawing/2014/main" id="{14FF4DCF-5B34-4DC3-BAA0-BEA7A4933AA5}"/>
-              </a:ext>
-            </a:extLst>
-          </p:cNvPr>
-          <p:cNvSpPr>
-            <a:spLocks noGrp="1"/>
-          </p:cNvSpPr>
+      <p:pic>
+        <p:nvPicPr>
+          <p:cNvPr id="5" name="Espace réservé du contenu 4" descr="Une image contenant texte&#10;&#10;Description générée automatiquement">
+            <a:extLst>
+              <a:ext uri="{FF2B5EF4-FFF2-40B4-BE49-F238E27FC236}">
+                <a16:creationId xmlns:a16="http://schemas.microsoft.com/office/drawing/2014/main" id="{3CE4ACD1-AF10-4699-8986-277396FD4638}"/>
+              </a:ext>
+            </a:extLst>
+          </p:cNvPr>
+          <p:cNvPicPr>
+            <a:picLocks noGrp="1" noChangeAspect="1"/>
+          </p:cNvPicPr>
           <p:nvPr>
             <p:ph idx="1"/>
           </p:nvPr>
-        </p:nvSpPr>
-        <p:spPr/>
-        <p:txBody>
-          <a:bodyPr/>
-          <a:lstStyle/>
-          <a:p>
-            <a:endParaRPr lang="fr-FR"/>
-          </a:p>
-        </p:txBody>
-      </p:sp>
+        </p:nvPicPr>
+        <p:blipFill>
+          <a:blip r:embed="rId2">
+            <a:extLst>
+              <a:ext uri="{28A0092B-C50C-407E-A947-70E740481C1C}">
+                <a14:useLocalDpi xmlns:a14="http://schemas.microsoft.com/office/drawing/2010/main" val="0"/>
+              </a:ext>
+            </a:extLst>
+          </a:blip>
+          <a:stretch>
+            <a:fillRect/>
+          </a:stretch>
+        </p:blipFill>
+        <p:spPr>
+          <a:xfrm>
+            <a:off x="1343253" y="1690688"/>
+            <a:ext cx="4019093" cy="4351338"/>
+          </a:xfrm>
+        </p:spPr>
+      </p:pic>
+      <p:pic>
+        <p:nvPicPr>
+          <p:cNvPr id="7" name="Image 6" descr="Une image contenant texte&#10;&#10;Description générée automatiquement">
+            <a:extLst>
+              <a:ext uri="{FF2B5EF4-FFF2-40B4-BE49-F238E27FC236}">
+                <a16:creationId xmlns:a16="http://schemas.microsoft.com/office/drawing/2014/main" id="{FC757561-F2A8-4C16-AB96-D325C255729B}"/>
+              </a:ext>
+            </a:extLst>
+          </p:cNvPr>
+          <p:cNvPicPr>
+            <a:picLocks noChangeAspect="1"/>
+          </p:cNvPicPr>
+          <p:nvPr/>
+        </p:nvPicPr>
+        <p:blipFill>
+          <a:blip r:embed="rId3">
+            <a:extLst>
+              <a:ext uri="{28A0092B-C50C-407E-A947-70E740481C1C}">
+                <a14:useLocalDpi xmlns:a14="http://schemas.microsoft.com/office/drawing/2010/main" val="0"/>
+              </a:ext>
+            </a:extLst>
+          </a:blip>
+          <a:stretch>
+            <a:fillRect/>
+          </a:stretch>
+        </p:blipFill>
+        <p:spPr>
+          <a:xfrm>
+            <a:off x="6096000" y="1980144"/>
+            <a:ext cx="4953691" cy="3772426"/>
+          </a:xfrm>
+          <a:prstGeom prst="rect">
+            <a:avLst/>
+          </a:prstGeom>
+        </p:spPr>
+      </p:pic>
     </p:spTree>
     <p:extLst>
       <p:ext uri="{BB962C8B-B14F-4D97-AF65-F5344CB8AC3E}">
